--- a/defence/presentation.pptx
+++ b/defence/presentation.pptx
@@ -5,7 +5,7 @@
     <p:sldMasterId id="2147483648" r:id="rId1"/>
   </p:sldMasterIdLst>
   <p:notesMasterIdLst>
-    <p:notesMasterId r:id="rId16"/>
+    <p:notesMasterId r:id="rId15"/>
   </p:notesMasterIdLst>
   <p:sldIdLst>
     <p:sldId id="256" r:id="rId2"/>
@@ -18,10 +18,9 @@
     <p:sldId id="269" r:id="rId9"/>
     <p:sldId id="280" r:id="rId10"/>
     <p:sldId id="282" r:id="rId11"/>
-    <p:sldId id="281" r:id="rId12"/>
-    <p:sldId id="285" r:id="rId13"/>
-    <p:sldId id="284" r:id="rId14"/>
-    <p:sldId id="266" r:id="rId15"/>
+    <p:sldId id="285" r:id="rId12"/>
+    <p:sldId id="284" r:id="rId13"/>
+    <p:sldId id="266" r:id="rId14"/>
   </p:sldIdLst>
   <p:sldSz cx="9144000" cy="6858000" type="screen4x3"/>
   <p:notesSz cx="6858000" cy="9144000"/>
@@ -205,7 +204,7 @@
           <a:p>
             <a:fld id="{DF2D9C8A-8A49-48C1-9A63-6FDE8501B5D8}" type="datetimeFigureOut">
               <a:rPr lang="ru-RU" smtClean="0"/>
-              <a:t>16.06.2015</a:t>
+              <a:t>17.06.2015</a:t>
             </a:fld>
             <a:endParaRPr lang="ru-RU"/>
           </a:p>
@@ -822,7 +821,7 @@
           <a:p>
             <a:fld id="{D2D20BE3-6D92-4B6F-9179-2AF2B91517A8}" type="datetime1">
               <a:rPr lang="ru-RU" smtClean="0"/>
-              <a:t>16.06.2015</a:t>
+              <a:t>17.06.2015</a:t>
             </a:fld>
             <a:endParaRPr lang="ru-RU"/>
           </a:p>
@@ -992,7 +991,7 @@
           <a:p>
             <a:fld id="{CDF089AB-EA56-41EA-B798-B5F2D7D5F8B5}" type="datetime1">
               <a:rPr lang="ru-RU" smtClean="0"/>
-              <a:t>16.06.2015</a:t>
+              <a:t>17.06.2015</a:t>
             </a:fld>
             <a:endParaRPr lang="ru-RU"/>
           </a:p>
@@ -1172,7 +1171,7 @@
           <a:p>
             <a:fld id="{965ECD61-08A9-4234-B499-35F189DF0D1A}" type="datetime1">
               <a:rPr lang="ru-RU" smtClean="0"/>
-              <a:t>16.06.2015</a:t>
+              <a:t>17.06.2015</a:t>
             </a:fld>
             <a:endParaRPr lang="ru-RU"/>
           </a:p>
@@ -1342,7 +1341,7 @@
           <a:p>
             <a:fld id="{57C089F6-41F4-4177-976D-8BE3139C5A5E}" type="datetime1">
               <a:rPr lang="ru-RU" smtClean="0"/>
-              <a:t>16.06.2015</a:t>
+              <a:t>17.06.2015</a:t>
             </a:fld>
             <a:endParaRPr lang="ru-RU"/>
           </a:p>
@@ -1588,7 +1587,7 @@
           <a:p>
             <a:fld id="{6319F821-9D59-4407-B931-AB09950635CA}" type="datetime1">
               <a:rPr lang="ru-RU" smtClean="0"/>
-              <a:t>16.06.2015</a:t>
+              <a:t>17.06.2015</a:t>
             </a:fld>
             <a:endParaRPr lang="ru-RU"/>
           </a:p>
@@ -1876,7 +1875,7 @@
           <a:p>
             <a:fld id="{7602D4C4-331E-4D95-BE63-D80F4968A45C}" type="datetime1">
               <a:rPr lang="ru-RU" smtClean="0"/>
-              <a:t>16.06.2015</a:t>
+              <a:t>17.06.2015</a:t>
             </a:fld>
             <a:endParaRPr lang="ru-RU"/>
           </a:p>
@@ -2298,7 +2297,7 @@
           <a:p>
             <a:fld id="{7F55ECF1-2747-4DAA-AA79-178814006D9C}" type="datetime1">
               <a:rPr lang="ru-RU" smtClean="0"/>
-              <a:t>16.06.2015</a:t>
+              <a:t>17.06.2015</a:t>
             </a:fld>
             <a:endParaRPr lang="ru-RU"/>
           </a:p>
@@ -2416,7 +2415,7 @@
           <a:p>
             <a:fld id="{4D8E2375-9483-43CB-96F7-25D6FBD70495}" type="datetime1">
               <a:rPr lang="ru-RU" smtClean="0"/>
-              <a:t>16.06.2015</a:t>
+              <a:t>17.06.2015</a:t>
             </a:fld>
             <a:endParaRPr lang="ru-RU"/>
           </a:p>
@@ -2511,7 +2510,7 @@
           <a:p>
             <a:fld id="{68B228B5-8A0F-428C-821C-21AA1F01E317}" type="datetime1">
               <a:rPr lang="ru-RU" smtClean="0"/>
-              <a:t>16.06.2015</a:t>
+              <a:t>17.06.2015</a:t>
             </a:fld>
             <a:endParaRPr lang="ru-RU"/>
           </a:p>
@@ -2788,7 +2787,7 @@
           <a:p>
             <a:fld id="{FF720443-E40F-41C4-9120-570B533DC118}" type="datetime1">
               <a:rPr lang="ru-RU" smtClean="0"/>
-              <a:t>16.06.2015</a:t>
+              <a:t>17.06.2015</a:t>
             </a:fld>
             <a:endParaRPr lang="ru-RU"/>
           </a:p>
@@ -3041,7 +3040,7 @@
           <a:p>
             <a:fld id="{28CCEF56-6752-4B02-B6DE-F7C24C6E26FD}" type="datetime1">
               <a:rPr lang="ru-RU" smtClean="0"/>
-              <a:t>16.06.2015</a:t>
+              <a:t>17.06.2015</a:t>
             </a:fld>
             <a:endParaRPr lang="ru-RU"/>
           </a:p>
@@ -3254,7 +3253,7 @@
           <a:p>
             <a:fld id="{DC68214A-A763-465F-9566-7FE71A849146}" type="datetime1">
               <a:rPr lang="ru-RU" smtClean="0"/>
-              <a:t>16.06.2015</a:t>
+              <a:t>17.06.2015</a:t>
             </a:fld>
             <a:endParaRPr lang="ru-RU"/>
           </a:p>
@@ -3896,183 +3895,6 @@
           <a:chExt cx="0" cy="0"/>
         </a:xfrm>
       </p:grpSpPr>
-      <p:sp>
-        <p:nvSpPr>
-          <p:cNvPr id="2" name="Заголовок 1"/>
-          <p:cNvSpPr>
-            <a:spLocks noGrp="1"/>
-          </p:cNvSpPr>
-          <p:nvPr>
-            <p:ph type="title"/>
-          </p:nvPr>
-        </p:nvSpPr>
-        <p:spPr/>
-        <p:txBody>
-          <a:bodyPr>
-            <a:normAutofit fontScale="90000"/>
-          </a:bodyPr>
-          <a:lstStyle/>
-          <a:p>
-            <a:r>
-              <a:rPr lang="ru-RU" dirty="0" smtClean="0"/>
-              <a:t>Тестирование программного комплекса</a:t>
-            </a:r>
-            <a:endParaRPr lang="ru-RU" dirty="0"/>
-          </a:p>
-        </p:txBody>
-      </p:sp>
-      <p:sp>
-        <p:nvSpPr>
-          <p:cNvPr id="3" name="Объект 2"/>
-          <p:cNvSpPr>
-            <a:spLocks noGrp="1"/>
-          </p:cNvSpPr>
-          <p:nvPr>
-            <p:ph idx="1"/>
-          </p:nvPr>
-        </p:nvSpPr>
-        <p:spPr/>
-        <p:txBody>
-          <a:bodyPr>
-            <a:normAutofit/>
-          </a:bodyPr>
-          <a:lstStyle/>
-          <a:p>
-            <a:r>
-              <a:rPr lang="ru-RU" dirty="0" smtClean="0"/>
-              <a:t>Модульные тесты (</a:t>
-            </a:r>
-            <a:r>
-              <a:rPr lang="en-US" dirty="0" err="1" smtClean="0"/>
-              <a:t>unittest</a:t>
-            </a:r>
-            <a:r>
-              <a:rPr lang="en-US" dirty="0" smtClean="0"/>
-              <a:t>, </a:t>
-            </a:r>
-            <a:r>
-              <a:rPr lang="en-US" dirty="0" err="1" smtClean="0"/>
-              <a:t>PyHamcrest</a:t>
-            </a:r>
-            <a:r>
-              <a:rPr lang="ru-RU" dirty="0" smtClean="0"/>
-              <a:t>)</a:t>
-            </a:r>
-          </a:p>
-          <a:p>
-            <a:pPr lvl="1"/>
-            <a:r>
-              <a:rPr lang="en-US" sz="3200" dirty="0" err="1" smtClean="0"/>
-              <a:t>graph_matcher</a:t>
-            </a:r>
-            <a:endParaRPr lang="en-US" sz="3200" dirty="0" smtClean="0"/>
-          </a:p>
-          <a:p>
-            <a:pPr lvl="1"/>
-            <a:r>
-              <a:rPr lang="en-US" sz="3200" dirty="0" err="1" smtClean="0"/>
-              <a:t>pattern_matcher</a:t>
-            </a:r>
-            <a:endParaRPr lang="en-US" sz="3200" dirty="0" smtClean="0"/>
-          </a:p>
-          <a:p>
-            <a:pPr lvl="1"/>
-            <a:r>
-              <a:rPr lang="en-US" sz="3200" dirty="0" err="1" smtClean="0"/>
-              <a:t>java_source_parser</a:t>
-            </a:r>
-            <a:endParaRPr lang="ru-RU" sz="3200" dirty="0" smtClean="0"/>
-          </a:p>
-          <a:p>
-            <a:r>
-              <a:rPr lang="ru-RU" dirty="0" smtClean="0"/>
-              <a:t>Функциональные тесты (</a:t>
-            </a:r>
-            <a:r>
-              <a:rPr lang="en-US" dirty="0" err="1" smtClean="0"/>
-              <a:t>pytest</a:t>
-            </a:r>
-            <a:r>
-              <a:rPr lang="ru-RU" dirty="0" smtClean="0"/>
-              <a:t>)</a:t>
-            </a:r>
-            <a:endParaRPr lang="en-US" dirty="0" smtClean="0"/>
-          </a:p>
-          <a:p>
-            <a:pPr lvl="1"/>
-            <a:r>
-              <a:rPr lang="en-US" sz="3200" dirty="0" err="1" smtClean="0"/>
-              <a:t>java_bytecode_module</a:t>
-            </a:r>
-            <a:endParaRPr lang="en-US" sz="3200" dirty="0" smtClean="0"/>
-          </a:p>
-          <a:p>
-            <a:pPr lvl="1"/>
-            <a:r>
-              <a:rPr lang="en-US" sz="3200" dirty="0" err="1" smtClean="0"/>
-              <a:t>match_pattern</a:t>
-            </a:r>
-            <a:endParaRPr lang="en-US" sz="3200" dirty="0" smtClean="0"/>
-          </a:p>
-          <a:p>
-            <a:pPr lvl="1"/>
-            <a:endParaRPr lang="en-US" dirty="0" smtClean="0"/>
-          </a:p>
-        </p:txBody>
-      </p:sp>
-      <p:sp>
-        <p:nvSpPr>
-          <p:cNvPr id="4" name="Номер слайда 3"/>
-          <p:cNvSpPr>
-            <a:spLocks noGrp="1"/>
-          </p:cNvSpPr>
-          <p:nvPr>
-            <p:ph type="sldNum" sz="quarter" idx="12"/>
-          </p:nvPr>
-        </p:nvSpPr>
-        <p:spPr/>
-        <p:txBody>
-          <a:bodyPr/>
-          <a:lstStyle/>
-          <a:p>
-            <a:fld id="{247FE056-B8ED-4141-8556-9F9011E0898D}" type="slidenum">
-              <a:rPr lang="ru-RU" smtClean="0"/>
-              <a:t>11</a:t>
-            </a:fld>
-            <a:endParaRPr lang="ru-RU"/>
-          </a:p>
-        </p:txBody>
-      </p:sp>
-    </p:spTree>
-    <p:extLst>
-      <p:ext uri="{BB962C8B-B14F-4D97-AF65-F5344CB8AC3E}">
-        <p14:creationId xmlns:p14="http://schemas.microsoft.com/office/powerpoint/2010/main" val="3294363335"/>
-      </p:ext>
-    </p:extLst>
-  </p:cSld>
-  <p:clrMapOvr>
-    <a:masterClrMapping/>
-  </p:clrMapOvr>
-</p:sld>
-</file>
-
-<file path=ppt/slides/slide12.xml><?xml version="1.0" encoding="utf-8"?>
-<p:sld xmlns:a="http://schemas.openxmlformats.org/drawingml/2006/main" xmlns:r="http://schemas.openxmlformats.org/officeDocument/2006/relationships" xmlns:p="http://schemas.openxmlformats.org/presentationml/2006/main">
-  <p:cSld>
-    <p:spTree>
-      <p:nvGrpSpPr>
-        <p:cNvPr id="1" name=""/>
-        <p:cNvGrpSpPr/>
-        <p:nvPr/>
-      </p:nvGrpSpPr>
-      <p:grpSpPr>
-        <a:xfrm>
-          <a:off x="0" y="0"/>
-          <a:ext cx="0" cy="0"/>
-          <a:chOff x="0" y="0"/>
-          <a:chExt cx="0" cy="0"/>
-        </a:xfrm>
-      </p:grpSpPr>
       <p:pic>
         <p:nvPicPr>
           <p:cNvPr id="3074" name="Picture 2" descr="I:\bmstu\master\predefence\src\apache-bcel-adapter.png"/>
@@ -4164,7 +3986,7 @@
           <a:p>
             <a:fld id="{247FE056-B8ED-4141-8556-9F9011E0898D}" type="slidenum">
               <a:rPr lang="ru-RU" smtClean="0"/>
-              <a:t>12</a:t>
+              <a:t>11</a:t>
             </a:fld>
             <a:endParaRPr lang="ru-RU"/>
           </a:p>
@@ -4180,10 +4002,17 @@
   <p:clrMapOvr>
     <a:masterClrMapping/>
   </p:clrMapOvr>
+  <p:timing>
+    <p:tnLst>
+      <p:par>
+        <p:cTn id="1" dur="indefinite" restart="never" nodeType="tmRoot"/>
+      </p:par>
+    </p:tnLst>
+  </p:timing>
 </p:sld>
 </file>
 
-<file path=ppt/slides/slide13.xml><?xml version="1.0" encoding="utf-8"?>
+<file path=ppt/slides/slide12.xml><?xml version="1.0" encoding="utf-8"?>
 <p:sld xmlns:a="http://schemas.openxmlformats.org/drawingml/2006/main" xmlns:r="http://schemas.openxmlformats.org/officeDocument/2006/relationships" xmlns:p="http://schemas.openxmlformats.org/presentationml/2006/main">
   <p:cSld>
     <p:spTree>
@@ -4242,7 +4071,7 @@
           <a:p>
             <a:fld id="{247FE056-B8ED-4141-8556-9F9011E0898D}" type="slidenum">
               <a:rPr lang="ru-RU" smtClean="0"/>
-              <a:t>13</a:t>
+              <a:t>12</a:t>
             </a:fld>
             <a:endParaRPr lang="ru-RU"/>
           </a:p>
@@ -4258,14 +4087,14 @@
             <p:ph idx="1"/>
             <p:extLst>
               <p:ext uri="{D42A27DB-BD31-4B8C-83A1-F6EECF244321}">
-                <p14:modId xmlns:p14="http://schemas.microsoft.com/office/powerpoint/2010/main" val="3038503421"/>
+                <p14:modId xmlns:p14="http://schemas.microsoft.com/office/powerpoint/2010/main" val="878021057"/>
               </p:ext>
             </p:extLst>
           </p:nvPr>
         </p:nvGraphicFramePr>
         <p:xfrm>
-          <a:off x="107505" y="1487803"/>
-          <a:ext cx="8928991" cy="4896544"/>
+          <a:off x="107505" y="2120554"/>
+          <a:ext cx="8928991" cy="3468686"/>
         </p:xfrm>
         <a:graphic>
           <a:graphicData uri="http://schemas.openxmlformats.org/drawingml/2006/table">
@@ -4348,11 +4177,7 @@
                       </a:r>
                       <a:r>
                         <a:rPr lang="en-US" sz="1700" baseline="0" dirty="0" smtClean="0"/>
-                        <a:t> </a:t>
-                      </a:r>
-                      <a:r>
-                        <a:rPr lang="en-US" sz="1700" baseline="0" dirty="0" smtClean="0"/>
-                        <a:t>BCEL</a:t>
+                        <a:t> BCEL</a:t>
                       </a:r>
                     </a:p>
                     <a:p>
@@ -4386,11 +4211,7 @@
                       </a:r>
                       <a:r>
                         <a:rPr lang="en-US" sz="1700" baseline="0" dirty="0" smtClean="0"/>
-                        <a:t> </a:t>
-                      </a:r>
-                      <a:r>
-                        <a:rPr lang="en-US" sz="1700" baseline="0" dirty="0" smtClean="0"/>
-                        <a:t>Zookeeper</a:t>
+                        <a:t> Zookeeper</a:t>
                       </a:r>
                     </a:p>
                     <a:p>
@@ -4784,88 +4605,6 @@
                     <a:p>
                       <a:r>
                         <a:rPr lang="ru-RU" sz="1700" dirty="0" smtClean="0"/>
-                        <a:t>Декоратор</a:t>
-                      </a:r>
-                      <a:endParaRPr lang="ru-RU" sz="1700" dirty="0"/>
-                    </a:p>
-                  </a:txBody>
-                  <a:tcPr/>
-                </a:tc>
-                <a:tc>
-                  <a:txBody>
-                    <a:bodyPr/>
-                    <a:lstStyle/>
-                    <a:p>
-                      <a:pPr algn="ctr"/>
-                      <a:endParaRPr lang="ru-RU" sz="2400" dirty="0"/>
-                    </a:p>
-                  </a:txBody>
-                  <a:tcPr marL="0" marR="0" marT="0" marB="0" anchor="ctr"/>
-                </a:tc>
-                <a:tc>
-                  <a:txBody>
-                    <a:bodyPr/>
-                    <a:lstStyle/>
-                    <a:p>
-                      <a:pPr algn="ctr"/>
-                      <a:endParaRPr lang="ru-RU" sz="2400" dirty="0"/>
-                    </a:p>
-                  </a:txBody>
-                  <a:tcPr marL="0" marR="0" marT="0" marB="0" anchor="ctr"/>
-                </a:tc>
-                <a:tc>
-                  <a:txBody>
-                    <a:bodyPr/>
-                    <a:lstStyle/>
-                    <a:p>
-                      <a:pPr algn="ctr"/>
-                      <a:endParaRPr lang="ru-RU" sz="2400" dirty="0"/>
-                    </a:p>
-                  </a:txBody>
-                  <a:tcPr marL="0" marR="0" marT="0" marB="0" anchor="ctr"/>
-                </a:tc>
-                <a:tc>
-                  <a:txBody>
-                    <a:bodyPr/>
-                    <a:lstStyle/>
-                    <a:p>
-                      <a:pPr algn="ctr"/>
-                      <a:endParaRPr lang="ru-RU" sz="2400" dirty="0"/>
-                    </a:p>
-                  </a:txBody>
-                  <a:tcPr marL="0" marR="0" marT="0" marB="0" anchor="ctr"/>
-                </a:tc>
-                <a:tc>
-                  <a:txBody>
-                    <a:bodyPr/>
-                    <a:lstStyle/>
-                    <a:p>
-                      <a:pPr algn="ctr"/>
-                      <a:endParaRPr lang="ru-RU" sz="2400" dirty="0"/>
-                    </a:p>
-                  </a:txBody>
-                  <a:tcPr marL="0" marR="0" marT="0" marB="0" anchor="ctr"/>
-                </a:tc>
-                <a:tc>
-                  <a:txBody>
-                    <a:bodyPr/>
-                    <a:lstStyle/>
-                    <a:p>
-                      <a:pPr algn="ctr"/>
-                      <a:endParaRPr lang="ru-RU" sz="2400" dirty="0"/>
-                    </a:p>
-                  </a:txBody>
-                  <a:tcPr marL="0" marR="0" marT="0" marB="0" anchor="ctr"/>
-                </a:tc>
-              </a:tr>
-              <a:tr h="396595">
-                <a:tc>
-                  <a:txBody>
-                    <a:bodyPr/>
-                    <a:lstStyle/>
-                    <a:p>
-                      <a:r>
-                        <a:rPr lang="ru-RU" sz="1700" dirty="0" smtClean="0"/>
                         <a:t>Мост</a:t>
                       </a:r>
                       <a:endParaRPr lang="ru-RU" sz="1700" dirty="0"/>
@@ -5008,7 +4747,7 @@
                     <a:lstStyle/>
                     <a:p>
                       <a:pPr algn="ctr"/>
-                      <a:endParaRPr lang="ru-RU" sz="2400"/>
+                      <a:endParaRPr lang="ru-RU" sz="2400" dirty="0"/>
                     </a:p>
                   </a:txBody>
                   <a:tcPr marL="0" marR="0" marT="0" marB="0" anchor="ctr"/>
@@ -5062,170 +4801,6 @@
                   <a:tcPr marL="0" marR="0" marT="0" marB="0" anchor="ctr"/>
                 </a:tc>
               </a:tr>
-              <a:tr h="396595">
-                <a:tc>
-                  <a:txBody>
-                    <a:bodyPr/>
-                    <a:lstStyle/>
-                    <a:p>
-                      <a:r>
-                        <a:rPr lang="ru-RU" sz="1700" dirty="0" smtClean="0"/>
-                        <a:t>Хранитель</a:t>
-                      </a:r>
-                      <a:endParaRPr lang="ru-RU" sz="1700" dirty="0"/>
-                    </a:p>
-                  </a:txBody>
-                  <a:tcPr/>
-                </a:tc>
-                <a:tc>
-                  <a:txBody>
-                    <a:bodyPr/>
-                    <a:lstStyle/>
-                    <a:p>
-                      <a:pPr algn="ctr"/>
-                      <a:endParaRPr lang="ru-RU" sz="2400"/>
-                    </a:p>
-                  </a:txBody>
-                  <a:tcPr marL="0" marR="0" marT="0" marB="0" anchor="ctr"/>
-                </a:tc>
-                <a:tc>
-                  <a:txBody>
-                    <a:bodyPr/>
-                    <a:lstStyle/>
-                    <a:p>
-                      <a:pPr algn="ctr"/>
-                      <a:endParaRPr lang="ru-RU" sz="2400"/>
-                    </a:p>
-                  </a:txBody>
-                  <a:tcPr marL="0" marR="0" marT="0" marB="0" anchor="ctr"/>
-                </a:tc>
-                <a:tc>
-                  <a:txBody>
-                    <a:bodyPr/>
-                    <a:lstStyle/>
-                    <a:p>
-                      <a:pPr algn="ctr"/>
-                      <a:endParaRPr lang="ru-RU" sz="2400"/>
-                    </a:p>
-                  </a:txBody>
-                  <a:tcPr marL="0" marR="0" marT="0" marB="0" anchor="ctr"/>
-                </a:tc>
-                <a:tc>
-                  <a:txBody>
-                    <a:bodyPr/>
-                    <a:lstStyle/>
-                    <a:p>
-                      <a:pPr algn="ctr"/>
-                      <a:endParaRPr lang="ru-RU" sz="2400" dirty="0"/>
-                    </a:p>
-                  </a:txBody>
-                  <a:tcPr marL="0" marR="0" marT="0" marB="0" anchor="ctr"/>
-                </a:tc>
-                <a:tc>
-                  <a:txBody>
-                    <a:bodyPr/>
-                    <a:lstStyle/>
-                    <a:p>
-                      <a:pPr algn="ctr"/>
-                      <a:endParaRPr lang="ru-RU" sz="2400" dirty="0"/>
-                    </a:p>
-                  </a:txBody>
-                  <a:tcPr marL="0" marR="0" marT="0" marB="0" anchor="ctr"/>
-                </a:tc>
-                <a:tc>
-                  <a:txBody>
-                    <a:bodyPr/>
-                    <a:lstStyle/>
-                    <a:p>
-                      <a:pPr algn="ctr"/>
-                      <a:endParaRPr lang="ru-RU" sz="2400" dirty="0"/>
-                    </a:p>
-                  </a:txBody>
-                  <a:tcPr marL="0" marR="0" marT="0" marB="0" anchor="ctr"/>
-                </a:tc>
-              </a:tr>
-              <a:tr h="634668">
-                <a:tc>
-                  <a:txBody>
-                    <a:bodyPr/>
-                    <a:lstStyle/>
-                    <a:p>
-                      <a:r>
-                        <a:rPr lang="ru-RU" sz="1700" dirty="0" smtClean="0"/>
-                        <a:t>Цепочка ответственности</a:t>
-                      </a:r>
-                      <a:endParaRPr lang="ru-RU" sz="1700" dirty="0"/>
-                    </a:p>
-                  </a:txBody>
-                  <a:tcPr/>
-                </a:tc>
-                <a:tc>
-                  <a:txBody>
-                    <a:bodyPr/>
-                    <a:lstStyle/>
-                    <a:p>
-                      <a:pPr algn="ctr"/>
-                      <a:endParaRPr lang="ru-RU" sz="2400"/>
-                    </a:p>
-                  </a:txBody>
-                  <a:tcPr marL="0" marR="0" marT="0" marB="0" anchor="ctr"/>
-                </a:tc>
-                <a:tc>
-                  <a:txBody>
-                    <a:bodyPr/>
-                    <a:lstStyle/>
-                    <a:p>
-                      <a:pPr algn="ctr"/>
-                      <a:endParaRPr lang="ru-RU" sz="2400" dirty="0"/>
-                    </a:p>
-                  </a:txBody>
-                  <a:tcPr marL="0" marR="0" marT="0" marB="0" anchor="ctr"/>
-                </a:tc>
-                <a:tc>
-                  <a:txBody>
-                    <a:bodyPr/>
-                    <a:lstStyle/>
-                    <a:p>
-                      <a:pPr algn="ctr"/>
-                      <a:endParaRPr lang="ru-RU" sz="2400"/>
-                    </a:p>
-                  </a:txBody>
-                  <a:tcPr marL="0" marR="0" marT="0" marB="0" anchor="ctr"/>
-                </a:tc>
-                <a:tc>
-                  <a:txBody>
-                    <a:bodyPr/>
-                    <a:lstStyle/>
-                    <a:p>
-                      <a:pPr algn="ctr"/>
-                      <a:endParaRPr lang="ru-RU" sz="2400" dirty="0"/>
-                    </a:p>
-                  </a:txBody>
-                  <a:tcPr marL="0" marR="0" marT="0" marB="0" anchor="ctr"/>
-                </a:tc>
-                <a:tc>
-                  <a:txBody>
-                    <a:bodyPr/>
-                    <a:lstStyle/>
-                    <a:p>
-                      <a:pPr algn="ctr"/>
-                      <a:endParaRPr lang="ru-RU" sz="2400" dirty="0"/>
-                    </a:p>
-                  </a:txBody>
-                  <a:tcPr marL="0" marR="0" marT="0" marB="0" anchor="ctr"/>
-                </a:tc>
-                <a:tc>
-                  <a:txBody>
-                    <a:bodyPr/>
-                    <a:lstStyle/>
-                    <a:p>
-                      <a:pPr algn="ctr"/>
-                      <a:endParaRPr lang="ru-RU" sz="2400" dirty="0"/>
-                    </a:p>
-                  </a:txBody>
-                  <a:tcPr marL="0" marR="0" marT="0" marB="0" anchor="ctr"/>
-                </a:tc>
-              </a:tr>
             </a:tbl>
           </a:graphicData>
         </a:graphic>
@@ -5250,7 +4825,7 @@
 </p:sld>
 </file>
 
-<file path=ppt/slides/slide14.xml><?xml version="1.0" encoding="utf-8"?>
+<file path=ppt/slides/slide13.xml><?xml version="1.0" encoding="utf-8"?>
 <p:sld xmlns:a="http://schemas.openxmlformats.org/drawingml/2006/main" xmlns:r="http://schemas.openxmlformats.org/officeDocument/2006/relationships" xmlns:p="http://schemas.openxmlformats.org/presentationml/2006/main">
   <p:cSld>
     <p:spTree>
@@ -5309,8 +4884,13 @@
           <a:p>
             <a:r>
               <a:rPr lang="ru-RU" sz="2400" dirty="0" smtClean="0"/>
-              <a:t>Выполнен обзор существующих методов</a:t>
-            </a:r>
+              <a:t>Выполнен обзор существующих </a:t>
+            </a:r>
+            <a:r>
+              <a:rPr lang="ru-RU" sz="2400" dirty="0" smtClean="0"/>
+              <a:t>методов поиска шаблонов проектирования</a:t>
+            </a:r>
+            <a:endParaRPr lang="ru-RU" sz="2400" dirty="0" smtClean="0"/>
           </a:p>
           <a:p>
             <a:r>
@@ -5375,7 +4955,7 @@
           <a:p>
             <a:fld id="{247FE056-B8ED-4141-8556-9F9011E0898D}" type="slidenum">
               <a:rPr lang="ru-RU" smtClean="0"/>
-              <a:t>14</a:t>
+              <a:t>13</a:t>
             </a:fld>
             <a:endParaRPr lang="ru-RU"/>
           </a:p>
@@ -5473,6 +5053,14 @@
               <a:rPr lang="ru-RU" sz="2300" dirty="0" smtClean="0"/>
               <a:t>программах</a:t>
             </a:r>
+            <a:r>
+              <a:rPr lang="en-US" sz="2300" dirty="0" smtClean="0"/>
+              <a:t> </a:t>
+            </a:r>
+            <a:r>
+              <a:rPr lang="ru-RU" sz="2300" dirty="0" smtClean="0"/>
+              <a:t>с однозначным результатом</a:t>
+            </a:r>
             <a:endParaRPr lang="en-US" sz="2300" dirty="0" smtClean="0"/>
           </a:p>
           <a:p>
@@ -5491,12 +5079,13 @@
             </a:pPr>
             <a:r>
               <a:rPr lang="ru-RU" sz="2300" dirty="0" smtClean="0"/>
-              <a:t>Выполнить </a:t>
+              <a:t>Выполнить обзор существующих </a:t>
             </a:r>
             <a:r>
               <a:rPr lang="ru-RU" sz="2300" dirty="0" smtClean="0"/>
-              <a:t>обзор существующих методов</a:t>
-            </a:r>
+              <a:t>методов поиска шаблонов проектирования</a:t>
+            </a:r>
+            <a:endParaRPr lang="ru-RU" sz="2300" dirty="0" smtClean="0"/>
           </a:p>
           <a:p>
             <a:pPr marL="514350" indent="-514350">
@@ -5665,7 +5254,7 @@
           <p:nvPr>
             <p:extLst>
               <p:ext uri="{D42A27DB-BD31-4B8C-83A1-F6EECF244321}">
-                <p14:modId xmlns:p14="http://schemas.microsoft.com/office/powerpoint/2010/main" val="2588820455"/>
+                <p14:modId xmlns:p14="http://schemas.microsoft.com/office/powerpoint/2010/main" val="1064822047"/>
               </p:ext>
             </p:extLst>
           </p:nvPr>
@@ -5694,7 +5283,7 @@
                       <a:pPr algn="ctr"/>
                       <a:r>
                         <a:rPr lang="ru-RU" sz="2000" dirty="0" smtClean="0"/>
-                        <a:t>Класс метода</a:t>
+                        <a:t>Метод</a:t>
                       </a:r>
                       <a:endParaRPr lang="ru-RU" sz="2000" dirty="0"/>
                     </a:p>
@@ -5797,12 +5386,13 @@
                       </a:pPr>
                       <a:r>
                         <a:rPr lang="ru-RU" sz="2000" b="1" dirty="0" smtClean="0"/>
-                        <a:t>Неточный</a:t>
+                        <a:t>Неоднозначный </a:t>
                       </a:r>
                       <a:r>
                         <a:rPr lang="ru-RU" sz="2000" b="1" baseline="0" dirty="0" smtClean="0"/>
-                        <a:t> результат</a:t>
+                        <a:t>результат</a:t>
                       </a:r>
+                      <a:endParaRPr lang="ru-RU" sz="2000" b="1" baseline="0" dirty="0" smtClean="0"/>
                     </a:p>
                     <a:p>
                       <a:pPr marL="285750" indent="-285750">
@@ -5811,7 +5401,11 @@
                       </a:pPr>
                       <a:r>
                         <a:rPr lang="ru-RU" sz="2000" baseline="0" dirty="0" smtClean="0"/>
-                        <a:t>Находят отдельные элементы шаблона</a:t>
+                        <a:t>Находит </a:t>
+                      </a:r>
+                      <a:r>
+                        <a:rPr lang="ru-RU" sz="2000" baseline="0" dirty="0" smtClean="0"/>
+                        <a:t>отдельные элементы шаблона</a:t>
                       </a:r>
                       <a:endParaRPr lang="ru-RU" sz="2000" dirty="0"/>
                     </a:p>
@@ -5906,7 +5500,11 @@
                       </a:pPr>
                       <a:r>
                         <a:rPr lang="ru-RU" sz="2000" baseline="0" dirty="0" smtClean="0"/>
-                        <a:t>Находят все элементы шаблона</a:t>
+                        <a:t>Находит </a:t>
+                      </a:r>
+                      <a:r>
+                        <a:rPr lang="ru-RU" sz="2000" baseline="0" dirty="0" smtClean="0"/>
+                        <a:t>все элементы шаблона</a:t>
                       </a:r>
                     </a:p>
                   </a:txBody>
@@ -5936,11 +5534,15 @@
                       </a:pPr>
                       <a:r>
                         <a:rPr lang="ru-RU" sz="2000" b="1" dirty="0" smtClean="0"/>
-                        <a:t>Неточный</a:t>
+                        <a:t>Неоднозначный</a:t>
                       </a:r>
                       <a:r>
                         <a:rPr lang="ru-RU" sz="2000" b="1" baseline="0" dirty="0" smtClean="0"/>
-                        <a:t> результат</a:t>
+                        <a:t> </a:t>
+                      </a:r>
+                      <a:r>
+                        <a:rPr lang="ru-RU" sz="2000" b="1" baseline="0" dirty="0" smtClean="0"/>
+                        <a:t>результат</a:t>
                       </a:r>
                     </a:p>
                     <a:p>
@@ -6111,7 +5713,7 @@
           <a:graphicData uri="http://schemas.openxmlformats.org/presentationml/2006/ole">
             <mc:AlternateContent xmlns:mc="http://schemas.openxmlformats.org/markup-compatibility/2006">
               <mc:Choice xmlns:v="urn:schemas-microsoft-com:vml" Requires="v">
-                <p:oleObj spid="_x0000_s2106" name="Visio" r:id="rId3" imgW="6800867" imgH="4020496" progId="Visio.Drawing.11">
+                <p:oleObj spid="_x0000_s2128" name="Visio" r:id="rId3" imgW="6800867" imgH="4020496" progId="Visio.Drawing.11">
                   <p:embed/>
                 </p:oleObj>
               </mc:Choice>
@@ -6314,6 +5916,13 @@
   <p:clrMapOvr>
     <a:masterClrMapping/>
   </p:clrMapOvr>
+  <p:timing>
+    <p:tnLst>
+      <p:par>
+        <p:cTn id="1" dur="indefinite" restart="never" nodeType="tmRoot"/>
+      </p:par>
+    </p:tnLst>
+  </p:timing>
 </p:sld>
 </file>
 
@@ -6347,28 +5956,20 @@
         <p:spPr/>
         <p:txBody>
           <a:bodyPr>
-            <a:normAutofit fontScale="90000"/>
+            <a:noAutofit/>
           </a:bodyPr>
           <a:lstStyle/>
           <a:p>
             <a:r>
-              <a:rPr lang="ru-RU" dirty="0" smtClean="0"/>
-              <a:t>Ориентированный </a:t>
-            </a:r>
-            <a:r>
-              <a:rPr lang="ru-RU" dirty="0"/>
-              <a:t>г</a:t>
-            </a:r>
-            <a:r>
-              <a:rPr lang="ru-RU" dirty="0" smtClean="0"/>
-              <a:t>раф с множеством типов дуг</a:t>
-            </a:r>
-            <a:endParaRPr lang="ru-RU" dirty="0"/>
-          </a:p>
-        </p:txBody>
-      </p:sp>
-      <mc:AlternateContent xmlns:mc="http://schemas.openxmlformats.org/markup-compatibility/2006" xmlns:a14="http://schemas.microsoft.com/office/drawing/2010/main">
-        <mc:Choice Requires="a14">
+              <a:rPr lang="ru-RU" sz="3600" dirty="0" smtClean="0"/>
+              <a:t>Формализация модели объектно-ориентированной системы в виде графа</a:t>
+            </a:r>
+            <a:endParaRPr lang="ru-RU" sz="3600" dirty="0"/>
+          </a:p>
+        </p:txBody>
+      </p:sp>
+      <mc:AlternateContent xmlns:mc="http://schemas.openxmlformats.org/markup-compatibility/2006">
+        <mc:Choice xmlns:a14="http://schemas.microsoft.com/office/drawing/2010/main" Requires="a14">
           <p:sp>
             <p:nvSpPr>
               <p:cNvPr id="3" name="Объект 2"/>
@@ -7024,11 +6625,18 @@
                             </m:e>
                           </m:d>
                           <m:r>
+                            <a:rPr lang="en-US" sz="2600" i="1" smtClean="0">
+                              <a:latin typeface="Cambria Math"/>
+                              <a:ea typeface="Cambria Math"/>
+                            </a:rPr>
+                            <m:t>≤</m:t>
+                          </m:r>
+                          <m:r>
                             <a:rPr lang="en-US" sz="2600" i="1">
                               <a:latin typeface="Cambria Math"/>
                               <a:ea typeface="Cambria Math"/>
                             </a:rPr>
-                            <m:t>=1</m:t>
+                            <m:t>1</m:t>
                           </m:r>
                         </m:e>
                       </m:d>
@@ -7040,7 +6648,7 @@
             </p:txBody>
           </p:sp>
         </mc:Choice>
-        <mc:Fallback xmlns="">
+        <mc:Fallback>
           <p:sp>
             <p:nvSpPr>
               <p:cNvPr id="3" name="Объект 2"/>
@@ -7055,7 +6663,7 @@
               <a:blipFill rotWithShape="1">
                 <a:blip r:embed="rId2"/>
                 <a:stretch>
-                  <a:fillRect r="-1333"/>
+                  <a:fillRect r="-1259"/>
                 </a:stretch>
               </a:blipFill>
             </p:spPr>
@@ -7489,8 +7097,8 @@
           </a:p>
         </p:txBody>
       </p:sp>
-      <mc:AlternateContent xmlns:mc="http://schemas.openxmlformats.org/markup-compatibility/2006" xmlns:a14="http://schemas.microsoft.com/office/drawing/2010/main">
-        <mc:Choice Requires="a14">
+      <mc:AlternateContent xmlns:mc="http://schemas.openxmlformats.org/markup-compatibility/2006">
+        <mc:Choice xmlns:a14="http://schemas.microsoft.com/office/drawing/2010/main" Requires="a14">
           <p:sp>
             <p:nvSpPr>
               <p:cNvPr id="3" name="Объект 2"/>
@@ -7507,485 +7115,6 @@
                 <a:normAutofit/>
               </a:bodyPr>
               <a:lstStyle/>
-              <a:p>
-                <a:pPr marL="0" indent="0" algn="ctr">
-                  <a:buNone/>
-                </a:pPr>
-                <a14:m>
-                  <m:oMath xmlns:m="http://schemas.openxmlformats.org/officeDocument/2006/math">
-                    <m:sSub>
-                      <m:sSubPr>
-                        <m:ctrlPr>
-                          <a:rPr lang="en-US" sz="2800" i="1" smtClean="0">
-                            <a:latin typeface="Cambria Math"/>
-                          </a:rPr>
-                        </m:ctrlPr>
-                      </m:sSubPr>
-                      <m:e>
-                        <m:r>
-                          <a:rPr lang="en-US" sz="2800" i="1">
-                            <a:latin typeface="Cambria Math"/>
-                          </a:rPr>
-                          <m:t>𝐺</m:t>
-                        </m:r>
-                      </m:e>
-                      <m:sub>
-                        <m:r>
-                          <a:rPr lang="en-US" sz="2800" i="1">
-                            <a:latin typeface="Cambria Math"/>
-                          </a:rPr>
-                          <m:t>𝑡</m:t>
-                        </m:r>
-                      </m:sub>
-                    </m:sSub>
-                    <m:r>
-                      <a:rPr lang="en-US" sz="2800" i="1">
-                        <a:latin typeface="Cambria Math"/>
-                      </a:rPr>
-                      <m:t>=</m:t>
-                    </m:r>
-                    <m:d>
-                      <m:dPr>
-                        <m:ctrlPr>
-                          <a:rPr lang="en-US" sz="2800" i="1">
-                            <a:latin typeface="Cambria Math"/>
-                          </a:rPr>
-                        </m:ctrlPr>
-                      </m:dPr>
-                      <m:e>
-                        <m:sSub>
-                          <m:sSubPr>
-                            <m:ctrlPr>
-                              <a:rPr lang="en-US" sz="2800" i="1">
-                                <a:latin typeface="Cambria Math"/>
-                              </a:rPr>
-                            </m:ctrlPr>
-                          </m:sSubPr>
-                          <m:e>
-                            <m:r>
-                              <a:rPr lang="en-US" sz="2800" i="1">
-                                <a:latin typeface="Cambria Math"/>
-                              </a:rPr>
-                              <m:t>𝑉</m:t>
-                            </m:r>
-                          </m:e>
-                          <m:sub>
-                            <m:r>
-                              <a:rPr lang="en-US" sz="2800" i="1">
-                                <a:latin typeface="Cambria Math"/>
-                              </a:rPr>
-                              <m:t>𝑡</m:t>
-                            </m:r>
-                          </m:sub>
-                        </m:sSub>
-                        <m:r>
-                          <a:rPr lang="en-US" sz="2800" i="1">
-                            <a:latin typeface="Cambria Math"/>
-                          </a:rPr>
-                          <m:t>,</m:t>
-                        </m:r>
-                        <m:sSub>
-                          <m:sSubPr>
-                            <m:ctrlPr>
-                              <a:rPr lang="en-US" sz="2800" i="1">
-                                <a:latin typeface="Cambria Math"/>
-                              </a:rPr>
-                            </m:ctrlPr>
-                          </m:sSubPr>
-                          <m:e>
-                            <m:r>
-                              <a:rPr lang="en-US" sz="2800" i="1">
-                                <a:latin typeface="Cambria Math"/>
-                              </a:rPr>
-                              <m:t>𝐿</m:t>
-                            </m:r>
-                          </m:e>
-                          <m:sub>
-                            <m:r>
-                              <a:rPr lang="en-US" sz="2800" i="1">
-                                <a:latin typeface="Cambria Math"/>
-                              </a:rPr>
-                              <m:t>𝑡</m:t>
-                            </m:r>
-                          </m:sub>
-                        </m:sSub>
-                        <m:r>
-                          <a:rPr lang="en-US" sz="2800" i="1">
-                            <a:latin typeface="Cambria Math"/>
-                          </a:rPr>
-                          <m:t>,</m:t>
-                        </m:r>
-                        <m:sSub>
-                          <m:sSubPr>
-                            <m:ctrlPr>
-                              <a:rPr lang="en-US" sz="2800" i="1">
-                                <a:latin typeface="Cambria Math"/>
-                              </a:rPr>
-                            </m:ctrlPr>
-                          </m:sSubPr>
-                          <m:e>
-                            <m:r>
-                              <a:rPr lang="en-US" sz="2800" i="1">
-                                <a:latin typeface="Cambria Math"/>
-                              </a:rPr>
-                              <m:t>𝐸</m:t>
-                            </m:r>
-                          </m:e>
-                          <m:sub>
-                            <m:r>
-                              <a:rPr lang="en-US" sz="2800" i="1">
-                                <a:latin typeface="Cambria Math"/>
-                              </a:rPr>
-                              <m:t>𝑡</m:t>
-                            </m:r>
-                          </m:sub>
-                        </m:sSub>
-                      </m:e>
-                    </m:d>
-                  </m:oMath>
-                </a14:m>
-                <a:r>
-                  <a:rPr lang="ru-RU" sz="2800" dirty="0"/>
-                  <a:t> –</a:t>
-                </a:r>
-                <a:r>
-                  <a:rPr lang="ru-RU" sz="2800" dirty="0" smtClean="0"/>
-                  <a:t> </a:t>
-                </a:r>
-                <a:r>
-                  <a:rPr lang="ru-RU" sz="2800" dirty="0"/>
-                  <a:t>целевой </a:t>
-                </a:r>
-                <a:r>
-                  <a:rPr lang="ru-RU" sz="2800" dirty="0" smtClean="0"/>
-                  <a:t>граф</a:t>
-                </a:r>
-                <a:endParaRPr lang="en-US" sz="2800" b="0" i="1" dirty="0" smtClean="0">
-                  <a:latin typeface="Cambria Math"/>
-                </a:endParaRPr>
-              </a:p>
-              <a:p>
-                <a:pPr marL="0" indent="0" algn="ctr">
-                  <a:buNone/>
-                </a:pPr>
-                <a14:m>
-                  <m:oMath xmlns:m="http://schemas.openxmlformats.org/officeDocument/2006/math">
-                    <m:sSub>
-                      <m:sSubPr>
-                        <m:ctrlPr>
-                          <a:rPr lang="en-US" sz="2800" b="0" i="1" smtClean="0">
-                            <a:latin typeface="Cambria Math"/>
-                          </a:rPr>
-                        </m:ctrlPr>
-                      </m:sSubPr>
-                      <m:e>
-                        <m:r>
-                          <a:rPr lang="en-US" sz="2800" b="0" i="1" smtClean="0">
-                            <a:latin typeface="Cambria Math"/>
-                          </a:rPr>
-                          <m:t>𝐺</m:t>
-                        </m:r>
-                      </m:e>
-                      <m:sub>
-                        <m:r>
-                          <a:rPr lang="en-US" sz="2800" b="0" i="1" smtClean="0">
-                            <a:latin typeface="Cambria Math"/>
-                          </a:rPr>
-                          <m:t>𝑝</m:t>
-                        </m:r>
-                      </m:sub>
-                    </m:sSub>
-                    <m:r>
-                      <a:rPr lang="en-US" sz="2800" b="0" i="1" smtClean="0">
-                        <a:latin typeface="Cambria Math"/>
-                      </a:rPr>
-                      <m:t>=</m:t>
-                    </m:r>
-                    <m:d>
-                      <m:dPr>
-                        <m:ctrlPr>
-                          <a:rPr lang="en-US" sz="2800" b="0" i="1" smtClean="0">
-                            <a:latin typeface="Cambria Math"/>
-                          </a:rPr>
-                        </m:ctrlPr>
-                      </m:dPr>
-                      <m:e>
-                        <m:sSub>
-                          <m:sSubPr>
-                            <m:ctrlPr>
-                              <a:rPr lang="en-US" sz="2800" i="1">
-                                <a:latin typeface="Cambria Math"/>
-                              </a:rPr>
-                            </m:ctrlPr>
-                          </m:sSubPr>
-                          <m:e>
-                            <m:r>
-                              <a:rPr lang="en-US" sz="2800" b="0" i="1" smtClean="0">
-                                <a:latin typeface="Cambria Math"/>
-                              </a:rPr>
-                              <m:t>𝑉</m:t>
-                            </m:r>
-                          </m:e>
-                          <m:sub>
-                            <m:r>
-                              <a:rPr lang="en-US" sz="2800" i="1">
-                                <a:latin typeface="Cambria Math"/>
-                              </a:rPr>
-                              <m:t>𝑝</m:t>
-                            </m:r>
-                          </m:sub>
-                        </m:sSub>
-                        <m:r>
-                          <a:rPr lang="en-US" sz="2800" b="0" i="1" smtClean="0">
-                            <a:latin typeface="Cambria Math"/>
-                          </a:rPr>
-                          <m:t>,</m:t>
-                        </m:r>
-                        <m:sSub>
-                          <m:sSubPr>
-                            <m:ctrlPr>
-                              <a:rPr lang="en-US" sz="2800" i="1">
-                                <a:latin typeface="Cambria Math"/>
-                              </a:rPr>
-                            </m:ctrlPr>
-                          </m:sSubPr>
-                          <m:e>
-                            <m:r>
-                              <a:rPr lang="en-US" sz="2800" b="0" i="1" smtClean="0">
-                                <a:latin typeface="Cambria Math"/>
-                              </a:rPr>
-                              <m:t>𝐿</m:t>
-                            </m:r>
-                          </m:e>
-                          <m:sub>
-                            <m:r>
-                              <a:rPr lang="en-US" sz="2800" i="1">
-                                <a:latin typeface="Cambria Math"/>
-                              </a:rPr>
-                              <m:t>𝑝</m:t>
-                            </m:r>
-                          </m:sub>
-                        </m:sSub>
-                        <m:r>
-                          <a:rPr lang="en-US" sz="2800" b="0" i="1" smtClean="0">
-                            <a:latin typeface="Cambria Math"/>
-                          </a:rPr>
-                          <m:t>,</m:t>
-                        </m:r>
-                        <m:sSub>
-                          <m:sSubPr>
-                            <m:ctrlPr>
-                              <a:rPr lang="en-US" sz="2800" i="1">
-                                <a:latin typeface="Cambria Math"/>
-                              </a:rPr>
-                            </m:ctrlPr>
-                          </m:sSubPr>
-                          <m:e>
-                            <m:r>
-                              <a:rPr lang="en-US" sz="2800" b="0" i="1" smtClean="0">
-                                <a:latin typeface="Cambria Math"/>
-                              </a:rPr>
-                              <m:t>𝐸</m:t>
-                            </m:r>
-                          </m:e>
-                          <m:sub>
-                            <m:r>
-                              <a:rPr lang="en-US" sz="2800" i="1">
-                                <a:latin typeface="Cambria Math"/>
-                              </a:rPr>
-                              <m:t>𝑝</m:t>
-                            </m:r>
-                          </m:sub>
-                        </m:sSub>
-                      </m:e>
-                    </m:d>
-                  </m:oMath>
-                </a14:m>
-                <a:r>
-                  <a:rPr lang="en-US" sz="2800" b="0" dirty="0" smtClean="0"/>
-                  <a:t> </a:t>
-                </a:r>
-                <a:r>
-                  <a:rPr lang="ru-RU" sz="2800" dirty="0"/>
-                  <a:t>–</a:t>
-                </a:r>
-                <a:r>
-                  <a:rPr lang="en-US" sz="2800" b="0" dirty="0" smtClean="0"/>
-                  <a:t> </a:t>
-                </a:r>
-                <a:r>
-                  <a:rPr lang="ru-RU" sz="2800" b="0" dirty="0" smtClean="0"/>
-                  <a:t>граф шаблона</a:t>
-                </a:r>
-                <a:endParaRPr lang="en-US" sz="2800" b="0" dirty="0" smtClean="0"/>
-              </a:p>
-              <a:p>
-                <a:pPr marL="0" indent="0" algn="ctr">
-                  <a:buNone/>
-                </a:pPr>
-                <a14:m>
-                  <m:oMath xmlns:m="http://schemas.openxmlformats.org/officeDocument/2006/math">
-                    <m:r>
-                      <a:rPr lang="en-US" sz="2800" b="0" i="1" smtClean="0">
-                        <a:latin typeface="Cambria Math"/>
-                      </a:rPr>
-                      <m:t>𝐼</m:t>
-                    </m:r>
-                    <m:r>
-                      <a:rPr lang="en-US" sz="2800" i="1">
-                        <a:latin typeface="Cambria Math"/>
-                      </a:rPr>
-                      <m:t>=</m:t>
-                    </m:r>
-                    <m:d>
-                      <m:dPr>
-                        <m:begChr m:val="{"/>
-                        <m:endChr m:val="}"/>
-                        <m:ctrlPr>
-                          <a:rPr lang="en-US" sz="2800" i="1" smtClean="0">
-                            <a:latin typeface="Cambria Math"/>
-                          </a:rPr>
-                        </m:ctrlPr>
-                      </m:dPr>
-                      <m:e>
-                        <m:d>
-                          <m:dPr>
-                            <m:ctrlPr>
-                              <a:rPr lang="en-US" sz="2800" i="1" smtClean="0">
-                                <a:latin typeface="Cambria Math"/>
-                              </a:rPr>
-                            </m:ctrlPr>
-                          </m:dPr>
-                          <m:e>
-                            <m:r>
-                              <a:rPr lang="en-US" sz="2800" b="0" i="1" smtClean="0">
-                                <a:latin typeface="Cambria Math"/>
-                              </a:rPr>
-                              <m:t>𝑡</m:t>
-                            </m:r>
-                            <m:r>
-                              <a:rPr lang="en-US" sz="2800" b="0" i="1" smtClean="0">
-                                <a:latin typeface="Cambria Math"/>
-                              </a:rPr>
-                              <m:t>,</m:t>
-                            </m:r>
-                            <m:r>
-                              <a:rPr lang="en-US" sz="2800" b="0" i="1" smtClean="0">
-                                <a:latin typeface="Cambria Math"/>
-                              </a:rPr>
-                              <m:t>𝑝</m:t>
-                            </m:r>
-                          </m:e>
-                        </m:d>
-                        <m:r>
-                          <a:rPr lang="en-US" sz="2800" b="0" i="1" smtClean="0">
-                            <a:latin typeface="Cambria Math"/>
-                          </a:rPr>
-                          <m:t>:</m:t>
-                        </m:r>
-                        <m:r>
-                          <a:rPr lang="en-US" sz="2800" b="0" i="1" smtClean="0">
-                            <a:latin typeface="Cambria Math"/>
-                          </a:rPr>
-                          <m:t>𝑡</m:t>
-                        </m:r>
-                        <m:r>
-                          <a:rPr lang="en-US" sz="2800" i="1">
-                            <a:latin typeface="Cambria Math"/>
-                            <a:ea typeface="Cambria Math"/>
-                          </a:rPr>
-                          <m:t>∈</m:t>
-                        </m:r>
-                        <m:sSub>
-                          <m:sSubPr>
-                            <m:ctrlPr>
-                              <a:rPr lang="en-US" sz="2800" i="1">
-                                <a:latin typeface="Cambria Math"/>
-                              </a:rPr>
-                            </m:ctrlPr>
-                          </m:sSubPr>
-                          <m:e>
-                            <m:r>
-                              <a:rPr lang="en-US" sz="2800" i="1">
-                                <a:latin typeface="Cambria Math"/>
-                              </a:rPr>
-                              <m:t>𝑉</m:t>
-                            </m:r>
-                          </m:e>
-                          <m:sub>
-                            <m:r>
-                              <a:rPr lang="en-US" sz="2800" i="1">
-                                <a:latin typeface="Cambria Math"/>
-                              </a:rPr>
-                              <m:t>𝑡</m:t>
-                            </m:r>
-                          </m:sub>
-                        </m:sSub>
-                        <m:r>
-                          <a:rPr lang="en-US" sz="2800" b="0" i="1" smtClean="0">
-                            <a:latin typeface="Cambria Math"/>
-                            <a:ea typeface="Cambria Math"/>
-                          </a:rPr>
-                          <m:t>∧</m:t>
-                        </m:r>
-                        <m:r>
-                          <a:rPr lang="en-US" sz="2800" b="0" i="1" smtClean="0">
-                            <a:latin typeface="Cambria Math"/>
-                          </a:rPr>
-                          <m:t>𝑝</m:t>
-                        </m:r>
-                        <m:r>
-                          <a:rPr lang="en-US" sz="2800" b="0" i="1" smtClean="0">
-                            <a:latin typeface="Cambria Math"/>
-                            <a:ea typeface="Cambria Math"/>
-                          </a:rPr>
-                          <m:t>∈</m:t>
-                        </m:r>
-                        <m:sSub>
-                          <m:sSubPr>
-                            <m:ctrlPr>
-                              <a:rPr lang="en-US" sz="2800" i="1">
-                                <a:latin typeface="Cambria Math"/>
-                              </a:rPr>
-                            </m:ctrlPr>
-                          </m:sSubPr>
-                          <m:e>
-                            <m:r>
-                              <a:rPr lang="en-US" sz="2800" i="1">
-                                <a:latin typeface="Cambria Math"/>
-                              </a:rPr>
-                              <m:t>𝑉</m:t>
-                            </m:r>
-                          </m:e>
-                          <m:sub>
-                            <m:r>
-                              <a:rPr lang="en-US" sz="2800" i="1">
-                                <a:latin typeface="Cambria Math"/>
-                              </a:rPr>
-                              <m:t>𝑝</m:t>
-                            </m:r>
-                          </m:sub>
-                        </m:sSub>
-                      </m:e>
-                    </m:d>
-                  </m:oMath>
-                </a14:m>
-                <a:r>
-                  <a:rPr lang="ru-RU" sz="2800" dirty="0"/>
-                  <a:t> –</a:t>
-                </a:r>
-                <a:r>
-                  <a:rPr lang="ru-RU" sz="2800" dirty="0" smtClean="0"/>
-                  <a:t> изоморфизм</a:t>
-                </a:r>
-                <a:endParaRPr lang="en-US" sz="2800" dirty="0" smtClean="0"/>
-              </a:p>
-              <a:p>
-                <a:pPr marL="0" indent="0" algn="ctr">
-                  <a:buNone/>
-                </a:pPr>
-                <a:endParaRPr lang="en-US" sz="2800" dirty="0" smtClean="0"/>
-              </a:p>
               <a:p>
                 <a:pPr marL="0" indent="0" algn="ctr">
                   <a:buNone/>
@@ -8789,12 +7918,491 @@
                     </m:oMath>
                   </m:oMathPara>
                 </a14:m>
-                <a:endParaRPr lang="ru-RU" sz="2800" dirty="0"/>
+                <a:endParaRPr lang="en-US" sz="2800" dirty="0" smtClean="0"/>
+              </a:p>
+              <a:p>
+                <a:pPr marL="0" indent="0" algn="ctr">
+                  <a:buNone/>
+                </a:pPr>
+                <a:endParaRPr lang="en-US" sz="2800" dirty="0" smtClean="0"/>
+              </a:p>
+              <a:p>
+                <a:pPr marL="0" indent="0" algn="ctr">
+                  <a:buNone/>
+                </a:pPr>
+                <a14:m>
+                  <m:oMath xmlns:m="http://schemas.openxmlformats.org/officeDocument/2006/math">
+                    <m:r>
+                      <a:rPr lang="en-US" sz="2800" i="1">
+                        <a:latin typeface="Cambria Math"/>
+                      </a:rPr>
+                      <m:t>𝐼</m:t>
+                    </m:r>
+                    <m:r>
+                      <a:rPr lang="en-US" sz="2800" i="1">
+                        <a:latin typeface="Cambria Math"/>
+                      </a:rPr>
+                      <m:t>=</m:t>
+                    </m:r>
+                    <m:d>
+                      <m:dPr>
+                        <m:begChr m:val="{"/>
+                        <m:endChr m:val="}"/>
+                        <m:ctrlPr>
+                          <a:rPr lang="en-US" sz="2800" i="1">
+                            <a:latin typeface="Cambria Math"/>
+                          </a:rPr>
+                        </m:ctrlPr>
+                      </m:dPr>
+                      <m:e>
+                        <m:d>
+                          <m:dPr>
+                            <m:ctrlPr>
+                              <a:rPr lang="en-US" sz="2800" i="1">
+                                <a:latin typeface="Cambria Math"/>
+                              </a:rPr>
+                            </m:ctrlPr>
+                          </m:dPr>
+                          <m:e>
+                            <m:r>
+                              <a:rPr lang="en-US" sz="2800" i="1">
+                                <a:latin typeface="Cambria Math"/>
+                              </a:rPr>
+                              <m:t>𝑡</m:t>
+                            </m:r>
+                            <m:r>
+                              <a:rPr lang="en-US" sz="2800" i="1">
+                                <a:latin typeface="Cambria Math"/>
+                              </a:rPr>
+                              <m:t>,</m:t>
+                            </m:r>
+                            <m:r>
+                              <a:rPr lang="en-US" sz="2800" i="1">
+                                <a:latin typeface="Cambria Math"/>
+                              </a:rPr>
+                              <m:t>𝑝</m:t>
+                            </m:r>
+                          </m:e>
+                        </m:d>
+                        <m:r>
+                          <a:rPr lang="en-US" sz="2800" i="1">
+                            <a:latin typeface="Cambria Math"/>
+                          </a:rPr>
+                          <m:t>:</m:t>
+                        </m:r>
+                        <m:r>
+                          <a:rPr lang="en-US" sz="2800" i="1">
+                            <a:latin typeface="Cambria Math"/>
+                          </a:rPr>
+                          <m:t>𝑡</m:t>
+                        </m:r>
+                        <m:r>
+                          <a:rPr lang="en-US" sz="2800" i="1">
+                            <a:latin typeface="Cambria Math"/>
+                            <a:ea typeface="Cambria Math"/>
+                          </a:rPr>
+                          <m:t>∈</m:t>
+                        </m:r>
+                        <m:sSub>
+                          <m:sSubPr>
+                            <m:ctrlPr>
+                              <a:rPr lang="en-US" sz="2800" i="1">
+                                <a:latin typeface="Cambria Math"/>
+                              </a:rPr>
+                            </m:ctrlPr>
+                          </m:sSubPr>
+                          <m:e>
+                            <m:r>
+                              <a:rPr lang="en-US" sz="2800" i="1">
+                                <a:latin typeface="Cambria Math"/>
+                              </a:rPr>
+                              <m:t>𝑉</m:t>
+                            </m:r>
+                          </m:e>
+                          <m:sub>
+                            <m:r>
+                              <a:rPr lang="en-US" sz="2800" i="1">
+                                <a:latin typeface="Cambria Math"/>
+                              </a:rPr>
+                              <m:t>𝑡</m:t>
+                            </m:r>
+                          </m:sub>
+                        </m:sSub>
+                        <m:r>
+                          <a:rPr lang="en-US" sz="2800" i="1">
+                            <a:latin typeface="Cambria Math"/>
+                            <a:ea typeface="Cambria Math"/>
+                          </a:rPr>
+                          <m:t>∧</m:t>
+                        </m:r>
+                        <m:r>
+                          <a:rPr lang="en-US" sz="2800" i="1">
+                            <a:latin typeface="Cambria Math"/>
+                          </a:rPr>
+                          <m:t>𝑝</m:t>
+                        </m:r>
+                        <m:r>
+                          <a:rPr lang="en-US" sz="2800" i="1">
+                            <a:latin typeface="Cambria Math"/>
+                            <a:ea typeface="Cambria Math"/>
+                          </a:rPr>
+                          <m:t>∈</m:t>
+                        </m:r>
+                        <m:sSub>
+                          <m:sSubPr>
+                            <m:ctrlPr>
+                              <a:rPr lang="en-US" sz="2800" i="1">
+                                <a:latin typeface="Cambria Math"/>
+                              </a:rPr>
+                            </m:ctrlPr>
+                          </m:sSubPr>
+                          <m:e>
+                            <m:r>
+                              <a:rPr lang="en-US" sz="2800" i="1">
+                                <a:latin typeface="Cambria Math"/>
+                              </a:rPr>
+                              <m:t>𝑉</m:t>
+                            </m:r>
+                          </m:e>
+                          <m:sub>
+                            <m:r>
+                              <a:rPr lang="en-US" sz="2800" i="1">
+                                <a:latin typeface="Cambria Math"/>
+                              </a:rPr>
+                              <m:t>𝑝</m:t>
+                            </m:r>
+                          </m:sub>
+                        </m:sSub>
+                      </m:e>
+                    </m:d>
+                  </m:oMath>
+                </a14:m>
+                <a:r>
+                  <a:rPr lang="ru-RU" sz="2800" dirty="0"/>
+                  <a:t> – изоморфизм</a:t>
+                </a:r>
+                <a:endParaRPr lang="en-US" sz="2800" dirty="0"/>
+              </a:p>
+              <a:p>
+                <a:pPr marL="0" indent="0" algn="ctr">
+                  <a:buNone/>
+                </a:pPr>
+                <a14:m>
+                  <m:oMath xmlns:m="http://schemas.openxmlformats.org/officeDocument/2006/math">
+                    <m:sSub>
+                      <m:sSubPr>
+                        <m:ctrlPr>
+                          <a:rPr lang="en-US" sz="2800" i="1">
+                            <a:latin typeface="Cambria Math"/>
+                          </a:rPr>
+                        </m:ctrlPr>
+                      </m:sSubPr>
+                      <m:e>
+                        <m:r>
+                          <a:rPr lang="en-US" sz="2800" i="1">
+                            <a:latin typeface="Cambria Math"/>
+                          </a:rPr>
+                          <m:t>𝐺</m:t>
+                        </m:r>
+                      </m:e>
+                      <m:sub>
+                        <m:r>
+                          <a:rPr lang="en-US" sz="2800" i="1">
+                            <a:latin typeface="Cambria Math"/>
+                          </a:rPr>
+                          <m:t>𝑡</m:t>
+                        </m:r>
+                      </m:sub>
+                    </m:sSub>
+                    <m:r>
+                      <a:rPr lang="en-US" sz="2800" i="1">
+                        <a:latin typeface="Cambria Math"/>
+                      </a:rPr>
+                      <m:t>=</m:t>
+                    </m:r>
+                    <m:d>
+                      <m:dPr>
+                        <m:ctrlPr>
+                          <a:rPr lang="en-US" sz="2800" i="1">
+                            <a:latin typeface="Cambria Math"/>
+                          </a:rPr>
+                        </m:ctrlPr>
+                      </m:dPr>
+                      <m:e>
+                        <m:sSub>
+                          <m:sSubPr>
+                            <m:ctrlPr>
+                              <a:rPr lang="en-US" sz="2800" i="1">
+                                <a:latin typeface="Cambria Math"/>
+                              </a:rPr>
+                            </m:ctrlPr>
+                          </m:sSubPr>
+                          <m:e>
+                            <m:r>
+                              <a:rPr lang="en-US" sz="2800" i="1">
+                                <a:latin typeface="Cambria Math"/>
+                              </a:rPr>
+                              <m:t>𝑉</m:t>
+                            </m:r>
+                          </m:e>
+                          <m:sub>
+                            <m:r>
+                              <a:rPr lang="en-US" sz="2800" i="1">
+                                <a:latin typeface="Cambria Math"/>
+                              </a:rPr>
+                              <m:t>𝑡</m:t>
+                            </m:r>
+                          </m:sub>
+                        </m:sSub>
+                        <m:r>
+                          <a:rPr lang="en-US" sz="2800" i="1">
+                            <a:latin typeface="Cambria Math"/>
+                          </a:rPr>
+                          <m:t>,</m:t>
+                        </m:r>
+                        <m:sSub>
+                          <m:sSubPr>
+                            <m:ctrlPr>
+                              <a:rPr lang="en-US" sz="2800" i="1">
+                                <a:latin typeface="Cambria Math"/>
+                              </a:rPr>
+                            </m:ctrlPr>
+                          </m:sSubPr>
+                          <m:e>
+                            <m:r>
+                              <a:rPr lang="en-US" sz="2800" i="1">
+                                <a:latin typeface="Cambria Math"/>
+                              </a:rPr>
+                              <m:t>𝐿</m:t>
+                            </m:r>
+                          </m:e>
+                          <m:sub>
+                            <m:r>
+                              <a:rPr lang="en-US" sz="2800" i="1">
+                                <a:latin typeface="Cambria Math"/>
+                              </a:rPr>
+                              <m:t>𝑡</m:t>
+                            </m:r>
+                          </m:sub>
+                        </m:sSub>
+                        <m:r>
+                          <a:rPr lang="en-US" sz="2800" i="1">
+                            <a:latin typeface="Cambria Math"/>
+                          </a:rPr>
+                          <m:t>,</m:t>
+                        </m:r>
+                        <m:sSub>
+                          <m:sSubPr>
+                            <m:ctrlPr>
+                              <a:rPr lang="en-US" sz="2800" i="1">
+                                <a:latin typeface="Cambria Math"/>
+                              </a:rPr>
+                            </m:ctrlPr>
+                          </m:sSubPr>
+                          <m:e>
+                            <m:r>
+                              <a:rPr lang="en-US" sz="2800" i="1">
+                                <a:latin typeface="Cambria Math"/>
+                              </a:rPr>
+                              <m:t>𝐸</m:t>
+                            </m:r>
+                          </m:e>
+                          <m:sub>
+                            <m:r>
+                              <a:rPr lang="en-US" sz="2800" i="1">
+                                <a:latin typeface="Cambria Math"/>
+                              </a:rPr>
+                              <m:t>𝑡</m:t>
+                            </m:r>
+                          </m:sub>
+                        </m:sSub>
+                      </m:e>
+                    </m:d>
+                  </m:oMath>
+                </a14:m>
+                <a:r>
+                  <a:rPr lang="ru-RU" sz="2800" dirty="0"/>
+                  <a:t> –</a:t>
+                </a:r>
+                <a:r>
+                  <a:rPr lang="ru-RU" sz="2800" dirty="0"/>
+                  <a:t> </a:t>
+                </a:r>
+                <a:r>
+                  <a:rPr lang="ru-RU" sz="2800" dirty="0"/>
+                  <a:t>целевой </a:t>
+                </a:r>
+                <a:r>
+                  <a:rPr lang="ru-RU" sz="2800" dirty="0"/>
+                  <a:t>граф</a:t>
+                </a:r>
+                <a:endParaRPr lang="en-US" sz="2800" i="1" dirty="0">
+                  <a:latin typeface="Cambria Math"/>
+                </a:endParaRPr>
+              </a:p>
+              <a:p>
+                <a:pPr marL="0" indent="0" algn="ctr">
+                  <a:buNone/>
+                </a:pPr>
+                <a14:m>
+                  <m:oMath xmlns:m="http://schemas.openxmlformats.org/officeDocument/2006/math">
+                    <m:sSub>
+                      <m:sSubPr>
+                        <m:ctrlPr>
+                          <a:rPr lang="en-US" sz="2800" i="1">
+                            <a:latin typeface="Cambria Math"/>
+                          </a:rPr>
+                        </m:ctrlPr>
+                      </m:sSubPr>
+                      <m:e>
+                        <m:r>
+                          <a:rPr lang="en-US" sz="2800" i="1">
+                            <a:latin typeface="Cambria Math"/>
+                          </a:rPr>
+                          <m:t>𝐺</m:t>
+                        </m:r>
+                      </m:e>
+                      <m:sub>
+                        <m:r>
+                          <a:rPr lang="en-US" sz="2800" i="1">
+                            <a:latin typeface="Cambria Math"/>
+                          </a:rPr>
+                          <m:t>𝑝</m:t>
+                        </m:r>
+                      </m:sub>
+                    </m:sSub>
+                    <m:r>
+                      <a:rPr lang="en-US" sz="2800" i="1">
+                        <a:latin typeface="Cambria Math"/>
+                      </a:rPr>
+                      <m:t>=</m:t>
+                    </m:r>
+                    <m:d>
+                      <m:dPr>
+                        <m:ctrlPr>
+                          <a:rPr lang="en-US" sz="2800" i="1">
+                            <a:latin typeface="Cambria Math"/>
+                          </a:rPr>
+                        </m:ctrlPr>
+                      </m:dPr>
+                      <m:e>
+                        <m:sSub>
+                          <m:sSubPr>
+                            <m:ctrlPr>
+                              <a:rPr lang="en-US" sz="2800" i="1">
+                                <a:latin typeface="Cambria Math"/>
+                              </a:rPr>
+                            </m:ctrlPr>
+                          </m:sSubPr>
+                          <m:e>
+                            <m:r>
+                              <a:rPr lang="en-US" sz="2800" i="1">
+                                <a:latin typeface="Cambria Math"/>
+                              </a:rPr>
+                              <m:t>𝑉</m:t>
+                            </m:r>
+                          </m:e>
+                          <m:sub>
+                            <m:r>
+                              <a:rPr lang="en-US" sz="2800" i="1">
+                                <a:latin typeface="Cambria Math"/>
+                              </a:rPr>
+                              <m:t>𝑝</m:t>
+                            </m:r>
+                          </m:sub>
+                        </m:sSub>
+                        <m:r>
+                          <a:rPr lang="en-US" sz="2800" i="1">
+                            <a:latin typeface="Cambria Math"/>
+                          </a:rPr>
+                          <m:t>,</m:t>
+                        </m:r>
+                        <m:sSub>
+                          <m:sSubPr>
+                            <m:ctrlPr>
+                              <a:rPr lang="en-US" sz="2800" i="1">
+                                <a:latin typeface="Cambria Math"/>
+                              </a:rPr>
+                            </m:ctrlPr>
+                          </m:sSubPr>
+                          <m:e>
+                            <m:r>
+                              <a:rPr lang="en-US" sz="2800" i="1">
+                                <a:latin typeface="Cambria Math"/>
+                              </a:rPr>
+                              <m:t>𝐿</m:t>
+                            </m:r>
+                          </m:e>
+                          <m:sub>
+                            <m:r>
+                              <a:rPr lang="en-US" sz="2800" i="1">
+                                <a:latin typeface="Cambria Math"/>
+                              </a:rPr>
+                              <m:t>𝑝</m:t>
+                            </m:r>
+                          </m:sub>
+                        </m:sSub>
+                        <m:r>
+                          <a:rPr lang="en-US" sz="2800" i="1">
+                            <a:latin typeface="Cambria Math"/>
+                          </a:rPr>
+                          <m:t>,</m:t>
+                        </m:r>
+                        <m:sSub>
+                          <m:sSubPr>
+                            <m:ctrlPr>
+                              <a:rPr lang="en-US" sz="2800" i="1">
+                                <a:latin typeface="Cambria Math"/>
+                              </a:rPr>
+                            </m:ctrlPr>
+                          </m:sSubPr>
+                          <m:e>
+                            <m:r>
+                              <a:rPr lang="en-US" sz="2800" i="1">
+                                <a:latin typeface="Cambria Math"/>
+                              </a:rPr>
+                              <m:t>𝐸</m:t>
+                            </m:r>
+                          </m:e>
+                          <m:sub>
+                            <m:r>
+                              <a:rPr lang="en-US" sz="2800" i="1">
+                                <a:latin typeface="Cambria Math"/>
+                              </a:rPr>
+                              <m:t>𝑝</m:t>
+                            </m:r>
+                          </m:sub>
+                        </m:sSub>
+                      </m:e>
+                    </m:d>
+                  </m:oMath>
+                </a14:m>
+                <a:r>
+                  <a:rPr lang="en-US" sz="2800" dirty="0"/>
+                  <a:t> </a:t>
+                </a:r>
+                <a:r>
+                  <a:rPr lang="ru-RU" sz="2800" dirty="0"/>
+                  <a:t>–</a:t>
+                </a:r>
+                <a:r>
+                  <a:rPr lang="en-US" sz="2800" dirty="0"/>
+                  <a:t> </a:t>
+                </a:r>
+                <a:r>
+                  <a:rPr lang="ru-RU" sz="2800" dirty="0"/>
+                  <a:t>граф </a:t>
+                </a:r>
+                <a:r>
+                  <a:rPr lang="ru-RU" sz="2800" dirty="0" smtClean="0"/>
+                  <a:t>шаблона</a:t>
+                </a:r>
+                <a:endParaRPr lang="en-US" sz="2800" dirty="0"/>
               </a:p>
             </p:txBody>
           </p:sp>
         </mc:Choice>
-        <mc:Fallback xmlns="">
+        <mc:Fallback>
           <p:sp>
             <p:nvSpPr>
               <p:cNvPr id="3" name="Объект 2"/>
@@ -8809,7 +8417,7 @@
               <a:blipFill rotWithShape="1">
                 <a:blip r:embed="rId2"/>
                 <a:stretch>
-                  <a:fillRect t="-1213"/>
+                  <a:fillRect b="-809"/>
                 </a:stretch>
               </a:blipFill>
             </p:spPr>
